--- a/XYZ G2M Analysis.pptx
+++ b/XYZ G2M Analysis.pptx
@@ -111,6 +111,11 @@
       </a:defRPr>
     </a:lvl9pPr>
   </p:defaultTextStyle>
+  <p:extLst>
+    <p:ext uri="{EFAFB233-063F-42B5-8137-9DF3F51BA10A}">
+      <p15:sldGuideLst xmlns:p15="http://schemas.microsoft.com/office/powerpoint/2012/main"/>
+    </p:ext>
+  </p:extLst>
 </p:presentation>
 </file>
 
@@ -277,7 +282,7 @@
           <a:p>
             <a:fld id="{403CB87E-4591-47A1-9046-CF63F17215EF}" type="datetime2">
               <a:rPr lang="en-US" smtClean="0"/>
-              <a:t>Wednesday, June 9, 2021</a:t>
+              <a:t>Thursday, June 10, 2021</a:t>
             </a:fld>
             <a:endParaRPr lang="en-US" dirty="0"/>
           </a:p>
@@ -499,7 +504,7 @@
           <a:p>
             <a:fld id="{2FA17F0E-8070-4DFE-A821-9A699EDBAD7E}" type="datetime2">
               <a:rPr lang="en-US" smtClean="0"/>
-              <a:t>Wednesday, June 9, 2021</a:t>
+              <a:t>Thursday, June 10, 2021</a:t>
             </a:fld>
             <a:endParaRPr lang="en-US"/>
           </a:p>
@@ -711,7 +716,7 @@
           <a:p>
             <a:fld id="{D88D34AE-C7BF-46E5-A968-01C6641F6476}" type="datetime2">
               <a:rPr lang="en-US" smtClean="0"/>
-              <a:t>Wednesday, June 9, 2021</a:t>
+              <a:t>Thursday, June 10, 2021</a:t>
             </a:fld>
             <a:endParaRPr lang="en-US"/>
           </a:p>
@@ -952,7 +957,7 @@
           <a:p>
             <a:fld id="{F33DE70B-B772-416E-A790-995760B1742E}" type="datetime2">
               <a:rPr lang="en-US" smtClean="0"/>
-              <a:t>Wednesday, June 9, 2021</a:t>
+              <a:t>Thursday, June 10, 2021</a:t>
             </a:fld>
             <a:endParaRPr lang="en-US" dirty="0"/>
           </a:p>
@@ -1251,7 +1256,7 @@
           <a:p>
             <a:fld id="{76760CDE-A6F1-4138-AF12-ED09E8E5FB6B}" type="datetime2">
               <a:rPr lang="en-US" smtClean="0"/>
-              <a:t>Wednesday, June 9, 2021</a:t>
+              <a:t>Thursday, June 10, 2021</a:t>
             </a:fld>
             <a:endParaRPr lang="en-US"/>
           </a:p>
@@ -1583,7 +1588,7 @@
           <a:p>
             <a:fld id="{DB15F8B1-DB7B-4D28-A97D-40FB2DD1EF78}" type="datetime2">
               <a:rPr lang="en-US" smtClean="0"/>
-              <a:t>Wednesday, June 9, 2021</a:t>
+              <a:t>Thursday, June 10, 2021</a:t>
             </a:fld>
             <a:endParaRPr lang="en-US"/>
           </a:p>
@@ -2029,7 +2034,7 @@
           <a:p>
             <a:fld id="{14039161-23B8-4738-9069-73EBE8884FDD}" type="datetime2">
               <a:rPr lang="en-US" smtClean="0"/>
-              <a:t>Wednesday, June 9, 2021</a:t>
+              <a:t>Thursday, June 10, 2021</a:t>
             </a:fld>
             <a:endParaRPr lang="en-US"/>
           </a:p>
@@ -2185,7 +2190,7 @@
           <a:p>
             <a:fld id="{FA994D44-7693-499F-AC6C-11696134FE3F}" type="datetime2">
               <a:rPr lang="en-US" smtClean="0"/>
-              <a:t>Wednesday, June 9, 2021</a:t>
+              <a:t>Thursday, June 10, 2021</a:t>
             </a:fld>
             <a:endParaRPr lang="en-US"/>
           </a:p>
@@ -2302,7 +2307,7 @@
           <a:p>
             <a:fld id="{363AF2AE-472C-4EF3-ABB2-24BAA9AE3CF7}" type="datetime2">
               <a:rPr lang="en-US" smtClean="0"/>
-              <a:t>Wednesday, June 9, 2021</a:t>
+              <a:t>Thursday, June 10, 2021</a:t>
             </a:fld>
             <a:endParaRPr lang="en-US"/>
           </a:p>
@@ -2629,7 +2634,7 @@
           <a:p>
             <a:fld id="{EAEA162C-A7C1-4263-9453-1BAFF8C39559}" type="datetime2">
               <a:rPr lang="en-US" smtClean="0"/>
-              <a:t>Wednesday, June 9, 2021</a:t>
+              <a:t>Thursday, June 10, 2021</a:t>
             </a:fld>
             <a:endParaRPr lang="en-US"/>
           </a:p>
@@ -2935,7 +2940,7 @@
           <a:p>
             <a:fld id="{64DF6793-3458-4587-8168-65F0C37A92D2}" type="datetime2">
               <a:rPr lang="en-US" smtClean="0"/>
-              <a:t>Wednesday, June 9, 2021</a:t>
+              <a:t>Thursday, June 10, 2021</a:t>
             </a:fld>
             <a:endParaRPr lang="en-US"/>
           </a:p>
@@ -3288,7 +3293,7 @@
             <a:fld id="{E8352ED3-3C46-4C9A-9738-67B2D875E7E2}" type="datetime2">
               <a:rPr lang="en-US" smtClean="0"/>
               <a:pPr/>
-              <a:t>Wednesday, June 9, 2021</a:t>
+              <a:t>Thursday, June 10, 2021</a:t>
             </a:fld>
             <a:endParaRPr lang="en-US" dirty="0"/>
           </a:p>
@@ -4857,7 +4862,7 @@
           <a:p>
             <a:r>
               <a:rPr lang="en-US" dirty="0"/>
-              <a:t>Customers Ages</a:t>
+              <a:t>Customers Groups</a:t>
             </a:r>
           </a:p>
         </p:txBody>
